--- a/Lectures/BenefitsOfDevOps/Resources/Benefits.pptx
+++ b/Lectures/BenefitsOfDevOps/Resources/Benefits.pptx
@@ -357,7 +357,7 @@
             <a:fld id="{5923F103-BC34-4FE4-A40E-EDDEECFDA5D0}" type="datetimeFigureOut">
               <a:rPr lang="en-US" smtClean="0"/>
               <a:pPr/>
-              <a:t>10/6/2015</a:t>
+              <a:t>10/10/2015</a:t>
             </a:fld>
             <a:endParaRPr lang="en-US" dirty="0"/>
           </a:p>
@@ -697,7 +697,7 @@
           <a:p>
             <a:fld id="{923A1CC3-2375-41D4-9E03-427CAF2A4C1A}" type="datetimeFigureOut">
               <a:rPr lang="en-US" smtClean="0"/>
-              <a:t>10/6/2015</a:t>
+              <a:t>10/10/2015</a:t>
             </a:fld>
             <a:endParaRPr lang="en-US" dirty="0"/>
           </a:p>
@@ -981,7 +981,7 @@
           <a:p>
             <a:fld id="{AFF16868-8199-4C2C-A5B1-63AEE139F88E}" type="datetimeFigureOut">
               <a:rPr lang="en-US" smtClean="0"/>
-              <a:t>10/6/2015</a:t>
+              <a:t>10/10/2015</a:t>
             </a:fld>
             <a:endParaRPr lang="en-US" dirty="0"/>
           </a:p>
@@ -1555,7 +1555,7 @@
           <a:p>
             <a:fld id="{AAD9FF7F-6988-44CC-821B-644E70CD2F73}" type="datetimeFigureOut">
               <a:rPr lang="en-US" smtClean="0"/>
-              <a:t>10/6/2015</a:t>
+              <a:t>10/10/2015</a:t>
             </a:fld>
             <a:endParaRPr lang="en-US" dirty="0"/>
           </a:p>
@@ -2169,7 +2169,7 @@
           <a:p>
             <a:fld id="{5C12C299-16B2-4475-990D-751901EACC14}" type="datetimeFigureOut">
               <a:rPr lang="en-US" smtClean="0"/>
-              <a:t>10/6/2015</a:t>
+              <a:t>10/10/2015</a:t>
             </a:fld>
             <a:endParaRPr lang="en-US" dirty="0"/>
           </a:p>
@@ -2737,7 +2737,7 @@
           <a:p>
             <a:fld id="{2BE451C3-0FF4-47C4-B829-773ADF60F88C}" type="datetimeFigureOut">
               <a:rPr lang="en-US" smtClean="0"/>
-              <a:t>10/6/2015</a:t>
+              <a:t>10/10/2015</a:t>
             </a:fld>
             <a:endParaRPr lang="en-US" dirty="0"/>
           </a:p>
@@ -3071,7 +3071,7 @@
           <a:p>
             <a:fld id="{2BE451C3-0FF4-47C4-B829-773ADF60F88C}" type="datetimeFigureOut">
               <a:rPr lang="en-US" smtClean="0"/>
-              <a:t>10/6/2015</a:t>
+              <a:t>10/10/2015</a:t>
             </a:fld>
             <a:endParaRPr lang="en-US" dirty="0"/>
           </a:p>
@@ -3255,7 +3255,7 @@
           <a:p>
             <a:fld id="{53086D93-FCAC-47E0-A2EE-787E62CA814C}" type="datetimeFigureOut">
               <a:rPr lang="en-US" smtClean="0"/>
-              <a:t>10/6/2015</a:t>
+              <a:t>10/10/2015</a:t>
             </a:fld>
             <a:endParaRPr lang="en-US" dirty="0"/>
           </a:p>
@@ -3499,7 +3499,7 @@
           <a:p>
             <a:fld id="{CDA879A6-0FD0-4734-A311-86BFCA472E6E}" type="datetimeFigureOut">
               <a:rPr lang="en-US" smtClean="0"/>
-              <a:t>10/6/2015</a:t>
+              <a:t>10/10/2015</a:t>
             </a:fld>
             <a:endParaRPr lang="en-US" dirty="0"/>
           </a:p>
@@ -3705,7 +3705,7 @@
           <a:p>
             <a:fld id="{19C9CA7B-DFD4-44B5-8C60-D14B8CD1FB59}" type="datetimeFigureOut">
               <a:rPr lang="en-US" smtClean="0"/>
-              <a:t>10/6/2015</a:t>
+              <a:t>10/10/2015</a:t>
             </a:fld>
             <a:endParaRPr lang="en-US" dirty="0"/>
           </a:p>
@@ -3987,7 +3987,7 @@
           <a:p>
             <a:fld id="{F34E6425-0181-43F2-84FC-787E803FD2F8}" type="datetimeFigureOut">
               <a:rPr lang="en-US" smtClean="0"/>
-              <a:t>10/6/2015</a:t>
+              <a:t>10/10/2015</a:t>
             </a:fld>
             <a:endParaRPr lang="en-US" dirty="0"/>
           </a:p>
@@ -5046,7 +5046,7 @@
           <a:p>
             <a:fld id="{3BDB8791-F1B0-41E7-B7FD-A781E65C4266}" type="datetimeFigureOut">
               <a:rPr lang="en-US" smtClean="0"/>
-              <a:t>10/6/2015</a:t>
+              <a:t>10/10/2015</a:t>
             </a:fld>
             <a:endParaRPr lang="en-US" dirty="0"/>
           </a:p>
@@ -5426,7 +5426,7 @@
           <a:p>
             <a:fld id="{5FDD63B2-E120-4ED8-B27B-C685F510A5FE}" type="datetimeFigureOut">
               <a:rPr lang="en-US" smtClean="0"/>
-              <a:t>10/6/2015</a:t>
+              <a:t>10/10/2015</a:t>
             </a:fld>
             <a:endParaRPr lang="en-US" dirty="0"/>
           </a:p>
@@ -5580,7 +5580,7 @@
           <a:p>
             <a:fld id="{7AA18ACC-A947-437B-A130-35BD54FDF1E9}" type="datetimeFigureOut">
               <a:rPr lang="en-US" smtClean="0"/>
-              <a:t>10/6/2015</a:t>
+              <a:t>10/10/2015</a:t>
             </a:fld>
             <a:endParaRPr lang="en-US" dirty="0"/>
           </a:p>
@@ -5711,7 +5711,7 @@
           <a:p>
             <a:fld id="{7C8D7E02-BCB8-4D50-A234-369438C08659}" type="datetimeFigureOut">
               <a:rPr lang="en-US" smtClean="0"/>
-              <a:t>10/6/2015</a:t>
+              <a:t>10/10/2015</a:t>
             </a:fld>
             <a:endParaRPr lang="en-US" dirty="0"/>
           </a:p>
@@ -6002,7 +6002,7 @@
           <a:p>
             <a:fld id="{76E86A4C-8E40-4F87-A4F0-01A0687C5742}" type="datetimeFigureOut">
               <a:rPr lang="en-US" smtClean="0"/>
-              <a:t>10/6/2015</a:t>
+              <a:t>10/10/2015</a:t>
             </a:fld>
             <a:endParaRPr lang="en-US" dirty="0"/>
           </a:p>
@@ -6332,7 +6332,7 @@
           <a:p>
             <a:fld id="{35E72C73-2D91-4E12-BA25-F0AA0C03599B}" type="datetimeFigureOut">
               <a:rPr lang="en-US" smtClean="0"/>
-              <a:t>10/6/2015</a:t>
+              <a:t>10/10/2015</a:t>
             </a:fld>
             <a:endParaRPr lang="en-US" dirty="0"/>
           </a:p>
@@ -6552,7 +6552,7 @@
           <a:p>
             <a:fld id="{2BE451C3-0FF4-47C4-B829-773ADF60F88C}" type="datetimeFigureOut">
               <a:rPr lang="en-US" smtClean="0"/>
-              <a:t>10/6/2015</a:t>
+              <a:t>10/10/2015</a:t>
             </a:fld>
             <a:endParaRPr lang="en-US" dirty="0"/>
           </a:p>
